--- a/expected_test_results/PlotTracks/validateDonor/correct.pptx
+++ b/expected_test_results/PlotTracks/validateDonor/correct.pptx
@@ -1,13 +1,16 @@
 
 <file path=ppt/presentation.xml><?xml version="1.0" encoding="utf-8"?>
-<p:presentation xmlns:a="http://schemas.openxmlformats.org/drawingml/2006/main" xmlns:r="http://schemas.openxmlformats.org/officeDocument/2006/relationships" xmlns:p="http://schemas.openxmlformats.org/presentationml/2006/main" saveSubsetFonts="1" autoCompressPictures="0">
+<p:presentation xmlns:a="http://schemas.openxmlformats.org/drawingml/2006/main" xmlns:r="http://schemas.openxmlformats.org/officeDocument/2006/relationships" xmlns:p="http://schemas.openxmlformats.org/presentationml/2006/main" showSpecialPlsOnTitleSld="0" saveSubsetFonts="1" autoCompressPictures="0">
   <p:sldMasterIdLst>
     <p:sldMasterId id="2147483648" r:id="rId1"/>
   </p:sldMasterIdLst>
+  <p:notesMasterIdLst>
+    <p:notesMasterId r:id="rId3"/>
+  </p:notesMasterIdLst>
   <p:sldIdLst>
-    <p:sldId id="256" r:id="rId2"/>
+    <p:sldId id="257" r:id="rId2"/>
   </p:sldIdLst>
-  <p:sldSz cx="9144000" cy="6858000" type="screen4x3"/>
+  <p:sldSz cx="12192000" cy="6858000"/>
   <p:notesSz cx="6858000" cy="9144000"/>
   <p:defaultTextStyle>
     <a:defPPr>
@@ -112,7 +115,7 @@
             <a:srgbClr val="A4A3A4"/>
           </p15:clr>
         </p15:guide>
-        <p15:guide id="2" pos="2880">
+        <p15:guide id="2" pos="3840">
           <p15:clr>
             <a:srgbClr val="A4A3A4"/>
           </p15:clr>
@@ -121,6 +124,462 @@
     </p:ext>
   </p:extLst>
 </p:presentation>
+</file>
+
+<file path=ppt/notesMasters/notesMaster1.xml><?xml version="1.0" encoding="utf-8"?>
+<p:notesMaster xmlns:a="http://schemas.openxmlformats.org/drawingml/2006/main" xmlns:r="http://schemas.openxmlformats.org/officeDocument/2006/relationships" xmlns:p="http://schemas.openxmlformats.org/presentationml/2006/main">
+  <p:cSld>
+    <p:bg>
+      <p:bgRef idx="1001">
+        <a:schemeClr val="bg1"/>
+      </p:bgRef>
+    </p:bg>
+    <p:spTree>
+      <p:nvGrpSpPr>
+        <p:cNvPr id="1" name=""/>
+        <p:cNvGrpSpPr/>
+        <p:nvPr/>
+      </p:nvGrpSpPr>
+      <p:grpSpPr>
+        <a:xfrm>
+          <a:off x="0" y="0"/>
+          <a:ext cx="0" cy="0"/>
+          <a:chOff x="0" y="0"/>
+          <a:chExt cx="0" cy="0"/>
+        </a:xfrm>
+      </p:grpSpPr>
+      <p:sp>
+        <p:nvSpPr>
+          <p:cNvPr id="2" name="Header Placeholder 1"/>
+          <p:cNvSpPr>
+            <a:spLocks noGrp="1"/>
+          </p:cNvSpPr>
+          <p:nvPr>
+            <p:ph type="hdr" sz="quarter"/>
+          </p:nvPr>
+        </p:nvSpPr>
+        <p:spPr>
+          <a:xfrm>
+            <a:off x="0" y="0"/>
+            <a:ext cx="2971800" cy="458788"/>
+          </a:xfrm>
+          <a:prstGeom prst="rect">
+            <a:avLst/>
+          </a:prstGeom>
+        </p:spPr>
+        <p:txBody>
+          <a:bodyPr vert="horz" lIns="91440" tIns="45720" rIns="91440" bIns="45720" rtlCol="0"/>
+          <a:lstStyle>
+            <a:lvl1pPr algn="l">
+              <a:defRPr sz="1200"/>
+            </a:lvl1pPr>
+          </a:lstStyle>
+          <a:p>
+            <a:endParaRPr lang="en-US"/>
+          </a:p>
+        </p:txBody>
+      </p:sp>
+      <p:sp>
+        <p:nvSpPr>
+          <p:cNvPr id="3" name="Date Placeholder 2"/>
+          <p:cNvSpPr>
+            <a:spLocks noGrp="1"/>
+          </p:cNvSpPr>
+          <p:nvPr>
+            <p:ph type="dt" idx="1"/>
+          </p:nvPr>
+        </p:nvSpPr>
+        <p:spPr>
+          <a:xfrm>
+            <a:off x="3884613" y="0"/>
+            <a:ext cx="2971800" cy="458788"/>
+          </a:xfrm>
+          <a:prstGeom prst="rect">
+            <a:avLst/>
+          </a:prstGeom>
+        </p:spPr>
+        <p:txBody>
+          <a:bodyPr vert="horz" lIns="91440" tIns="45720" rIns="91440" bIns="45720" rtlCol="0"/>
+          <a:lstStyle>
+            <a:lvl1pPr algn="r">
+              <a:defRPr sz="1200"/>
+            </a:lvl1pPr>
+          </a:lstStyle>
+          <a:p>
+            <a:fld id="{5DBDFAF8-9CD3-4716-8CF2-6121A8FDDE9B}" type="datetimeFigureOut">
+              <a:rPr lang="en-US" smtClean="0"/>
+              <a:t>9/27/2018</a:t>
+            </a:fld>
+            <a:endParaRPr lang="en-US"/>
+          </a:p>
+        </p:txBody>
+      </p:sp>
+      <p:sp>
+        <p:nvSpPr>
+          <p:cNvPr id="4" name="Slide Image Placeholder 3"/>
+          <p:cNvSpPr>
+            <a:spLocks noGrp="1" noRot="1" noChangeAspect="1"/>
+          </p:cNvSpPr>
+          <p:nvPr>
+            <p:ph type="sldImg" idx="2"/>
+          </p:nvPr>
+        </p:nvSpPr>
+        <p:spPr>
+          <a:xfrm>
+            <a:off x="685800" y="1143000"/>
+            <a:ext cx="5486400" cy="3086100"/>
+          </a:xfrm>
+          <a:prstGeom prst="rect">
+            <a:avLst/>
+          </a:prstGeom>
+          <a:noFill/>
+          <a:ln w="12700">
+            <a:solidFill>
+              <a:prstClr val="black"/>
+            </a:solidFill>
+          </a:ln>
+        </p:spPr>
+        <p:txBody>
+          <a:bodyPr vert="horz" lIns="91440" tIns="45720" rIns="91440" bIns="45720" rtlCol="0" anchor="ctr"/>
+          <a:lstStyle/>
+          <a:p>
+            <a:endParaRPr lang="en-US"/>
+          </a:p>
+        </p:txBody>
+      </p:sp>
+      <p:sp>
+        <p:nvSpPr>
+          <p:cNvPr id="5" name="Notes Placeholder 4"/>
+          <p:cNvSpPr>
+            <a:spLocks noGrp="1"/>
+          </p:cNvSpPr>
+          <p:nvPr>
+            <p:ph type="body" sz="quarter" idx="3"/>
+          </p:nvPr>
+        </p:nvSpPr>
+        <p:spPr>
+          <a:xfrm>
+            <a:off x="685800" y="4400550"/>
+            <a:ext cx="5486400" cy="3600450"/>
+          </a:xfrm>
+          <a:prstGeom prst="rect">
+            <a:avLst/>
+          </a:prstGeom>
+        </p:spPr>
+        <p:txBody>
+          <a:bodyPr vert="horz" lIns="91440" tIns="45720" rIns="91440" bIns="45720" rtlCol="0"/>
+          <a:lstStyle/>
+          <a:p>
+            <a:pPr lvl="0"/>
+            <a:r>
+              <a:rPr lang="en-US"/>
+              <a:t>Edit Master text styles</a:t>
+            </a:r>
+          </a:p>
+          <a:p>
+            <a:pPr lvl="1"/>
+            <a:r>
+              <a:rPr lang="en-US"/>
+              <a:t>Second level</a:t>
+            </a:r>
+          </a:p>
+          <a:p>
+            <a:pPr lvl="2"/>
+            <a:r>
+              <a:rPr lang="en-US"/>
+              <a:t>Third level</a:t>
+            </a:r>
+          </a:p>
+          <a:p>
+            <a:pPr lvl="3"/>
+            <a:r>
+              <a:rPr lang="en-US"/>
+              <a:t>Fourth level</a:t>
+            </a:r>
+          </a:p>
+          <a:p>
+            <a:pPr lvl="4"/>
+            <a:r>
+              <a:rPr lang="en-US"/>
+              <a:t>Fifth level</a:t>
+            </a:r>
+          </a:p>
+        </p:txBody>
+      </p:sp>
+      <p:sp>
+        <p:nvSpPr>
+          <p:cNvPr id="6" name="Footer Placeholder 5"/>
+          <p:cNvSpPr>
+            <a:spLocks noGrp="1"/>
+          </p:cNvSpPr>
+          <p:nvPr>
+            <p:ph type="ftr" sz="quarter" idx="4"/>
+          </p:nvPr>
+        </p:nvSpPr>
+        <p:spPr>
+          <a:xfrm>
+            <a:off x="0" y="8685213"/>
+            <a:ext cx="2971800" cy="458787"/>
+          </a:xfrm>
+          <a:prstGeom prst="rect">
+            <a:avLst/>
+          </a:prstGeom>
+        </p:spPr>
+        <p:txBody>
+          <a:bodyPr vert="horz" lIns="91440" tIns="45720" rIns="91440" bIns="45720" rtlCol="0" anchor="b"/>
+          <a:lstStyle>
+            <a:lvl1pPr algn="l">
+              <a:defRPr sz="1200"/>
+            </a:lvl1pPr>
+          </a:lstStyle>
+          <a:p>
+            <a:endParaRPr lang="en-US"/>
+          </a:p>
+        </p:txBody>
+      </p:sp>
+      <p:sp>
+        <p:nvSpPr>
+          <p:cNvPr id="7" name="Slide Number Placeholder 6"/>
+          <p:cNvSpPr>
+            <a:spLocks noGrp="1"/>
+          </p:cNvSpPr>
+          <p:nvPr>
+            <p:ph type="sldNum" sz="quarter" idx="5"/>
+          </p:nvPr>
+        </p:nvSpPr>
+        <p:spPr>
+          <a:xfrm>
+            <a:off x="3884613" y="8685213"/>
+            <a:ext cx="2971800" cy="458787"/>
+          </a:xfrm>
+          <a:prstGeom prst="rect">
+            <a:avLst/>
+          </a:prstGeom>
+        </p:spPr>
+        <p:txBody>
+          <a:bodyPr vert="horz" lIns="91440" tIns="45720" rIns="91440" bIns="45720" rtlCol="0" anchor="b"/>
+          <a:lstStyle>
+            <a:lvl1pPr algn="r">
+              <a:defRPr sz="1200"/>
+            </a:lvl1pPr>
+          </a:lstStyle>
+          <a:p>
+            <a:fld id="{C901C09C-499D-45C7-B51C-6D106952E995}" type="slidenum">
+              <a:rPr lang="en-US" smtClean="0"/>
+              <a:t>‹#›</a:t>
+            </a:fld>
+            <a:endParaRPr lang="en-US"/>
+          </a:p>
+        </p:txBody>
+      </p:sp>
+    </p:spTree>
+    <p:extLst>
+      <p:ext uri="{BB962C8B-B14F-4D97-AF65-F5344CB8AC3E}">
+        <p14:creationId xmlns:p14="http://schemas.microsoft.com/office/powerpoint/2010/main" val="1864208491"/>
+      </p:ext>
+    </p:extLst>
+  </p:cSld>
+  <p:clrMap bg1="lt1" tx1="dk1" bg2="lt2" tx2="dk2" accent1="accent1" accent2="accent2" accent3="accent3" accent4="accent4" accent5="accent5" accent6="accent6" hlink="hlink" folHlink="folHlink"/>
+  <p:notesStyle>
+    <a:lvl1pPr marL="0" algn="l" defTabSz="914400" rtl="0" eaLnBrk="1" latinLnBrk="0" hangingPunct="1">
+      <a:defRPr sz="1200" kern="1200">
+        <a:solidFill>
+          <a:schemeClr val="tx1"/>
+        </a:solidFill>
+        <a:latin typeface="+mn-lt"/>
+        <a:ea typeface="+mn-ea"/>
+        <a:cs typeface="+mn-cs"/>
+      </a:defRPr>
+    </a:lvl1pPr>
+    <a:lvl2pPr marL="457200" algn="l" defTabSz="914400" rtl="0" eaLnBrk="1" latinLnBrk="0" hangingPunct="1">
+      <a:defRPr sz="1200" kern="1200">
+        <a:solidFill>
+          <a:schemeClr val="tx1"/>
+        </a:solidFill>
+        <a:latin typeface="+mn-lt"/>
+        <a:ea typeface="+mn-ea"/>
+        <a:cs typeface="+mn-cs"/>
+      </a:defRPr>
+    </a:lvl2pPr>
+    <a:lvl3pPr marL="914400" algn="l" defTabSz="914400" rtl="0" eaLnBrk="1" latinLnBrk="0" hangingPunct="1">
+      <a:defRPr sz="1200" kern="1200">
+        <a:solidFill>
+          <a:schemeClr val="tx1"/>
+        </a:solidFill>
+        <a:latin typeface="+mn-lt"/>
+        <a:ea typeface="+mn-ea"/>
+        <a:cs typeface="+mn-cs"/>
+      </a:defRPr>
+    </a:lvl3pPr>
+    <a:lvl4pPr marL="1371600" algn="l" defTabSz="914400" rtl="0" eaLnBrk="1" latinLnBrk="0" hangingPunct="1">
+      <a:defRPr sz="1200" kern="1200">
+        <a:solidFill>
+          <a:schemeClr val="tx1"/>
+        </a:solidFill>
+        <a:latin typeface="+mn-lt"/>
+        <a:ea typeface="+mn-ea"/>
+        <a:cs typeface="+mn-cs"/>
+      </a:defRPr>
+    </a:lvl4pPr>
+    <a:lvl5pPr marL="1828800" algn="l" defTabSz="914400" rtl="0" eaLnBrk="1" latinLnBrk="0" hangingPunct="1">
+      <a:defRPr sz="1200" kern="1200">
+        <a:solidFill>
+          <a:schemeClr val="tx1"/>
+        </a:solidFill>
+        <a:latin typeface="+mn-lt"/>
+        <a:ea typeface="+mn-ea"/>
+        <a:cs typeface="+mn-cs"/>
+      </a:defRPr>
+    </a:lvl5pPr>
+    <a:lvl6pPr marL="2286000" algn="l" defTabSz="914400" rtl="0" eaLnBrk="1" latinLnBrk="0" hangingPunct="1">
+      <a:defRPr sz="1200" kern="1200">
+        <a:solidFill>
+          <a:schemeClr val="tx1"/>
+        </a:solidFill>
+        <a:latin typeface="+mn-lt"/>
+        <a:ea typeface="+mn-ea"/>
+        <a:cs typeface="+mn-cs"/>
+      </a:defRPr>
+    </a:lvl6pPr>
+    <a:lvl7pPr marL="2743200" algn="l" defTabSz="914400" rtl="0" eaLnBrk="1" latinLnBrk="0" hangingPunct="1">
+      <a:defRPr sz="1200" kern="1200">
+        <a:solidFill>
+          <a:schemeClr val="tx1"/>
+        </a:solidFill>
+        <a:latin typeface="+mn-lt"/>
+        <a:ea typeface="+mn-ea"/>
+        <a:cs typeface="+mn-cs"/>
+      </a:defRPr>
+    </a:lvl7pPr>
+    <a:lvl8pPr marL="3200400" algn="l" defTabSz="914400" rtl="0" eaLnBrk="1" latinLnBrk="0" hangingPunct="1">
+      <a:defRPr sz="1200" kern="1200">
+        <a:solidFill>
+          <a:schemeClr val="tx1"/>
+        </a:solidFill>
+        <a:latin typeface="+mn-lt"/>
+        <a:ea typeface="+mn-ea"/>
+        <a:cs typeface="+mn-cs"/>
+      </a:defRPr>
+    </a:lvl8pPr>
+    <a:lvl9pPr marL="3657600" algn="l" defTabSz="914400" rtl="0" eaLnBrk="1" latinLnBrk="0" hangingPunct="1">
+      <a:defRPr sz="1200" kern="1200">
+        <a:solidFill>
+          <a:schemeClr val="tx1"/>
+        </a:solidFill>
+        <a:latin typeface="+mn-lt"/>
+        <a:ea typeface="+mn-ea"/>
+        <a:cs typeface="+mn-cs"/>
+      </a:defRPr>
+    </a:lvl9pPr>
+  </p:notesStyle>
+</p:notesMaster>
+</file>
+
+<file path=ppt/notesSlides/notesSlide1.xml><?xml version="1.0" encoding="utf-8"?>
+<p:notes xmlns:a="http://schemas.openxmlformats.org/drawingml/2006/main" xmlns:r="http://schemas.openxmlformats.org/officeDocument/2006/relationships" xmlns:p="http://schemas.openxmlformats.org/presentationml/2006/main">
+  <p:cSld>
+    <p:spTree>
+      <p:nvGrpSpPr>
+        <p:cNvPr id="1" name=""/>
+        <p:cNvGrpSpPr/>
+        <p:nvPr/>
+      </p:nvGrpSpPr>
+      <p:grpSpPr>
+        <a:xfrm>
+          <a:off x="0" y="0"/>
+          <a:ext cx="0" cy="0"/>
+          <a:chOff x="0" y="0"/>
+          <a:chExt cx="0" cy="0"/>
+        </a:xfrm>
+      </p:grpSpPr>
+      <p:sp>
+        <p:nvSpPr>
+          <p:cNvPr id="2" name="Slide Image Placeholder 1"/>
+          <p:cNvSpPr>
+            <a:spLocks noGrp="1" noRot="1" noChangeAspect="1"/>
+          </p:cNvSpPr>
+          <p:nvPr>
+            <p:ph type="sldImg"/>
+          </p:nvPr>
+        </p:nvSpPr>
+        <p:spPr/>
+      </p:sp>
+      <p:sp>
+        <p:nvSpPr>
+          <p:cNvPr id="3" name="Notes Placeholder 2"/>
+          <p:cNvSpPr>
+            <a:spLocks noGrp="1"/>
+          </p:cNvSpPr>
+          <p:nvPr>
+            <p:ph type="body" idx="1"/>
+          </p:nvPr>
+        </p:nvSpPr>
+        <p:spPr/>
+        <p:txBody>
+          <a:bodyPr/>
+          <a:lstStyle/>
+          <a:p>
+            <a:pPr marL="0" marR="0" indent="0" algn="l" defTabSz="914400" rtl="0" eaLnBrk="1" fontAlgn="auto" latinLnBrk="0" hangingPunct="1">
+              <a:lnSpc>
+                <a:spcPct val="100000"/>
+              </a:lnSpc>
+              <a:spcBef>
+                <a:spcPts val="0"/>
+              </a:spcBef>
+              <a:spcAft>
+                <a:spcPts val="0"/>
+              </a:spcAft>
+              <a:buClrTx/>
+              <a:buSzTx/>
+              <a:buFontTx/>
+              <a:buNone/>
+              <a:tabLst/>
+              <a:defRPr/>
+            </a:pPr>
+            <a:r>
+              <a:rPr lang="en-US" dirty="0"/>
+              <a:t>Americas Cup 2018. Race 2a</a:t>
+            </a:r>
+          </a:p>
+          <a:p>
+            <a:endParaRPr lang="en-US" dirty="0"/>
+          </a:p>
+        </p:txBody>
+      </p:sp>
+      <p:sp>
+        <p:nvSpPr>
+          <p:cNvPr id="4" name="Slide Number Placeholder 3"/>
+          <p:cNvSpPr>
+            <a:spLocks noGrp="1"/>
+          </p:cNvSpPr>
+          <p:nvPr>
+            <p:ph type="sldNum" sz="quarter" idx="10"/>
+          </p:nvPr>
+        </p:nvSpPr>
+        <p:spPr/>
+        <p:txBody>
+          <a:bodyPr/>
+          <a:lstStyle/>
+          <a:p>
+            <a:fld id="{C901C09C-499D-45C7-B51C-6D106952E995}" type="slidenum">
+              <a:rPr lang="en-US" smtClean="0"/>
+              <a:t>1</a:t>
+            </a:fld>
+            <a:endParaRPr lang="en-US"/>
+          </a:p>
+        </p:txBody>
+      </p:sp>
+    </p:spTree>
+    <p:extLst>
+      <p:ext uri="{BB962C8B-B14F-4D97-AF65-F5344CB8AC3E}">
+        <p14:creationId xmlns:p14="http://schemas.microsoft.com/office/powerpoint/2010/main" val="3425895529"/>
+      </p:ext>
+    </p:extLst>
+  </p:cSld>
+  <p:clrMapOvr>
+    <a:masterClrMapping/>
+  </p:clrMapOvr>
+</p:notes>
 </file>
 
 <file path=ppt/slideLayouts/slideLayout1.xml><?xml version="1.0" encoding="utf-8"?>
@@ -152,8 +611,8 @@
         </p:nvSpPr>
         <p:spPr>
           <a:xfrm>
-            <a:off x="685800" y="2130425"/>
-            <a:ext cx="7772400" cy="1470025"/>
+            <a:off x="914400" y="2130426"/>
+            <a:ext cx="10363200" cy="1470025"/>
           </a:xfrm>
         </p:spPr>
         <p:txBody>
@@ -161,7 +620,7 @@
           <a:lstStyle/>
           <a:p>
             <a:r>
-              <a:rPr lang="en-GB" smtClean="0"/>
+              <a:rPr lang="en-GB"/>
               <a:t>Click to edit Master title style</a:t>
             </a:r>
             <a:endParaRPr lang="en-US"/>
@@ -180,8 +639,8 @@
         </p:nvSpPr>
         <p:spPr>
           <a:xfrm>
-            <a:off x="1371600" y="3886200"/>
-            <a:ext cx="6400800" cy="1752600"/>
+            <a:off x="1828800" y="3886200"/>
+            <a:ext cx="8534400" cy="1752600"/>
           </a:xfrm>
         </p:spPr>
         <p:txBody>
@@ -280,7 +739,7 @@
           </a:lstStyle>
           <a:p>
             <a:r>
-              <a:rPr lang="en-GB" smtClean="0"/>
+              <a:rPr lang="en-GB"/>
               <a:t>Click to edit Master subtitle style</a:t>
             </a:r>
             <a:endParaRPr lang="en-US"/>
@@ -304,7 +763,7 @@
           <a:p>
             <a:fld id="{07AF7C9C-3FFC-F543-8CD5-56B058077314}" type="datetimeFigureOut">
               <a:rPr lang="en-US" smtClean="0"/>
-              <a:t>7/9/18</a:t>
+              <a:t>9/27/2018</a:t>
             </a:fld>
             <a:endParaRPr lang="en-US"/>
           </a:p>
@@ -398,7 +857,7 @@
           <a:lstStyle/>
           <a:p>
             <a:r>
-              <a:rPr lang="en-GB" smtClean="0"/>
+              <a:rPr lang="en-GB"/>
               <a:t>Click to edit Master title style</a:t>
             </a:r>
             <a:endParaRPr lang="en-US"/>
@@ -422,35 +881,35 @@
           <a:p>
             <a:pPr lvl="0"/>
             <a:r>
-              <a:rPr lang="en-GB" smtClean="0"/>
+              <a:rPr lang="en-GB"/>
               <a:t>Click to edit Master text styles</a:t>
             </a:r>
           </a:p>
           <a:p>
             <a:pPr lvl="1"/>
             <a:r>
-              <a:rPr lang="en-GB" smtClean="0"/>
+              <a:rPr lang="en-GB"/>
               <a:t>Second level</a:t>
             </a:r>
           </a:p>
           <a:p>
             <a:pPr lvl="2"/>
             <a:r>
-              <a:rPr lang="en-GB" smtClean="0"/>
+              <a:rPr lang="en-GB"/>
               <a:t>Third level</a:t>
             </a:r>
           </a:p>
           <a:p>
             <a:pPr lvl="3"/>
             <a:r>
-              <a:rPr lang="en-GB" smtClean="0"/>
+              <a:rPr lang="en-GB"/>
               <a:t>Fourth level</a:t>
             </a:r>
           </a:p>
           <a:p>
             <a:pPr lvl="4"/>
             <a:r>
-              <a:rPr lang="en-GB" smtClean="0"/>
+              <a:rPr lang="en-GB"/>
               <a:t>Fifth level</a:t>
             </a:r>
             <a:endParaRPr lang="en-US"/>
@@ -474,7 +933,7 @@
           <a:p>
             <a:fld id="{07AF7C9C-3FFC-F543-8CD5-56B058077314}" type="datetimeFigureOut">
               <a:rPr lang="en-US" smtClean="0"/>
-              <a:t>7/9/18</a:t>
+              <a:t>9/27/2018</a:t>
             </a:fld>
             <a:endParaRPr lang="en-US"/>
           </a:p>
@@ -564,8 +1023,8 @@
         </p:nvSpPr>
         <p:spPr>
           <a:xfrm>
-            <a:off x="6629400" y="274638"/>
-            <a:ext cx="2057400" cy="5851525"/>
+            <a:off x="8839200" y="274639"/>
+            <a:ext cx="2743200" cy="5851525"/>
           </a:xfrm>
         </p:spPr>
         <p:txBody>
@@ -573,7 +1032,7 @@
           <a:lstStyle/>
           <a:p>
             <a:r>
-              <a:rPr lang="en-GB" smtClean="0"/>
+              <a:rPr lang="en-GB"/>
               <a:t>Click to edit Master title style</a:t>
             </a:r>
             <a:endParaRPr lang="en-US"/>
@@ -592,8 +1051,8 @@
         </p:nvSpPr>
         <p:spPr>
           <a:xfrm>
-            <a:off x="457200" y="274638"/>
-            <a:ext cx="6019800" cy="5851525"/>
+            <a:off x="609600" y="274639"/>
+            <a:ext cx="8026400" cy="5851525"/>
           </a:xfrm>
         </p:spPr>
         <p:txBody>
@@ -602,35 +1061,35 @@
           <a:p>
             <a:pPr lvl="0"/>
             <a:r>
-              <a:rPr lang="en-GB" smtClean="0"/>
+              <a:rPr lang="en-GB"/>
               <a:t>Click to edit Master text styles</a:t>
             </a:r>
           </a:p>
           <a:p>
             <a:pPr lvl="1"/>
             <a:r>
-              <a:rPr lang="en-GB" smtClean="0"/>
+              <a:rPr lang="en-GB"/>
               <a:t>Second level</a:t>
             </a:r>
           </a:p>
           <a:p>
             <a:pPr lvl="2"/>
             <a:r>
-              <a:rPr lang="en-GB" smtClean="0"/>
+              <a:rPr lang="en-GB"/>
               <a:t>Third level</a:t>
             </a:r>
           </a:p>
           <a:p>
             <a:pPr lvl="3"/>
             <a:r>
-              <a:rPr lang="en-GB" smtClean="0"/>
+              <a:rPr lang="en-GB"/>
               <a:t>Fourth level</a:t>
             </a:r>
           </a:p>
           <a:p>
             <a:pPr lvl="4"/>
             <a:r>
-              <a:rPr lang="en-GB" smtClean="0"/>
+              <a:rPr lang="en-GB"/>
               <a:t>Fifth level</a:t>
             </a:r>
             <a:endParaRPr lang="en-US"/>
@@ -654,7 +1113,7 @@
           <a:p>
             <a:fld id="{07AF7C9C-3FFC-F543-8CD5-56B058077314}" type="datetimeFigureOut">
               <a:rPr lang="en-US" smtClean="0"/>
-              <a:t>7/9/18</a:t>
+              <a:t>9/27/2018</a:t>
             </a:fld>
             <a:endParaRPr lang="en-US"/>
           </a:p>
@@ -748,7 +1207,7 @@
           <a:lstStyle/>
           <a:p>
             <a:r>
-              <a:rPr lang="en-GB" smtClean="0"/>
+              <a:rPr lang="en-GB"/>
               <a:t>Click to edit Master title style</a:t>
             </a:r>
             <a:endParaRPr lang="en-US"/>
@@ -772,35 +1231,35 @@
           <a:p>
             <a:pPr lvl="0"/>
             <a:r>
-              <a:rPr lang="en-GB" smtClean="0"/>
+              <a:rPr lang="en-GB"/>
               <a:t>Click to edit Master text styles</a:t>
             </a:r>
           </a:p>
           <a:p>
             <a:pPr lvl="1"/>
             <a:r>
-              <a:rPr lang="en-GB" smtClean="0"/>
+              <a:rPr lang="en-GB"/>
               <a:t>Second level</a:t>
             </a:r>
           </a:p>
           <a:p>
             <a:pPr lvl="2"/>
             <a:r>
-              <a:rPr lang="en-GB" smtClean="0"/>
+              <a:rPr lang="en-GB"/>
               <a:t>Third level</a:t>
             </a:r>
           </a:p>
           <a:p>
             <a:pPr lvl="3"/>
             <a:r>
-              <a:rPr lang="en-GB" smtClean="0"/>
+              <a:rPr lang="en-GB"/>
               <a:t>Fourth level</a:t>
             </a:r>
           </a:p>
           <a:p>
             <a:pPr lvl="4"/>
             <a:r>
-              <a:rPr lang="en-GB" smtClean="0"/>
+              <a:rPr lang="en-GB"/>
               <a:t>Fifth level</a:t>
             </a:r>
             <a:endParaRPr lang="en-US"/>
@@ -824,7 +1283,7 @@
           <a:p>
             <a:fld id="{07AF7C9C-3FFC-F543-8CD5-56B058077314}" type="datetimeFigureOut">
               <a:rPr lang="en-US" smtClean="0"/>
-              <a:t>7/9/18</a:t>
+              <a:t>9/27/2018</a:t>
             </a:fld>
             <a:endParaRPr lang="en-US"/>
           </a:p>
@@ -914,8 +1373,8 @@
         </p:nvSpPr>
         <p:spPr>
           <a:xfrm>
-            <a:off x="722313" y="4406900"/>
-            <a:ext cx="7772400" cy="1362075"/>
+            <a:off x="963084" y="4406901"/>
+            <a:ext cx="10363200" cy="1362075"/>
           </a:xfrm>
         </p:spPr>
         <p:txBody>
@@ -927,7 +1386,7 @@
           </a:lstStyle>
           <a:p>
             <a:r>
-              <a:rPr lang="en-GB" smtClean="0"/>
+              <a:rPr lang="en-GB"/>
               <a:t>Click to edit Master title style</a:t>
             </a:r>
             <a:endParaRPr lang="en-US"/>
@@ -946,8 +1405,8 @@
         </p:nvSpPr>
         <p:spPr>
           <a:xfrm>
-            <a:off x="722313" y="2906713"/>
-            <a:ext cx="7772400" cy="1500187"/>
+            <a:off x="963084" y="2906713"/>
+            <a:ext cx="10363200" cy="1500187"/>
           </a:xfrm>
         </p:spPr>
         <p:txBody>
@@ -1047,7 +1506,7 @@
           <a:p>
             <a:pPr lvl="0"/>
             <a:r>
-              <a:rPr lang="en-GB" smtClean="0"/>
+              <a:rPr lang="en-GB"/>
               <a:t>Click to edit Master text styles</a:t>
             </a:r>
           </a:p>
@@ -1070,7 +1529,7 @@
           <a:p>
             <a:fld id="{07AF7C9C-3FFC-F543-8CD5-56B058077314}" type="datetimeFigureOut">
               <a:rPr lang="en-US" smtClean="0"/>
-              <a:t>7/9/18</a:t>
+              <a:t>9/27/2018</a:t>
             </a:fld>
             <a:endParaRPr lang="en-US"/>
           </a:p>
@@ -1164,7 +1623,7 @@
           <a:lstStyle/>
           <a:p>
             <a:r>
-              <a:rPr lang="en-GB" smtClean="0"/>
+              <a:rPr lang="en-GB"/>
               <a:t>Click to edit Master title style</a:t>
             </a:r>
             <a:endParaRPr lang="en-US"/>
@@ -1183,8 +1642,8 @@
         </p:nvSpPr>
         <p:spPr>
           <a:xfrm>
-            <a:off x="457200" y="1600200"/>
-            <a:ext cx="4038600" cy="4525963"/>
+            <a:off x="609600" y="1600201"/>
+            <a:ext cx="5384800" cy="4525963"/>
           </a:xfrm>
         </p:spPr>
         <p:txBody>
@@ -1221,35 +1680,35 @@
           <a:p>
             <a:pPr lvl="0"/>
             <a:r>
-              <a:rPr lang="en-GB" smtClean="0"/>
+              <a:rPr lang="en-GB"/>
               <a:t>Click to edit Master text styles</a:t>
             </a:r>
           </a:p>
           <a:p>
             <a:pPr lvl="1"/>
             <a:r>
-              <a:rPr lang="en-GB" smtClean="0"/>
+              <a:rPr lang="en-GB"/>
               <a:t>Second level</a:t>
             </a:r>
           </a:p>
           <a:p>
             <a:pPr lvl="2"/>
             <a:r>
-              <a:rPr lang="en-GB" smtClean="0"/>
+              <a:rPr lang="en-GB"/>
               <a:t>Third level</a:t>
             </a:r>
           </a:p>
           <a:p>
             <a:pPr lvl="3"/>
             <a:r>
-              <a:rPr lang="en-GB" smtClean="0"/>
+              <a:rPr lang="en-GB"/>
               <a:t>Fourth level</a:t>
             </a:r>
           </a:p>
           <a:p>
             <a:pPr lvl="4"/>
             <a:r>
-              <a:rPr lang="en-GB" smtClean="0"/>
+              <a:rPr lang="en-GB"/>
               <a:t>Fifth level</a:t>
             </a:r>
             <a:endParaRPr lang="en-US"/>
@@ -1268,8 +1727,8 @@
         </p:nvSpPr>
         <p:spPr>
           <a:xfrm>
-            <a:off x="4648200" y="1600200"/>
-            <a:ext cx="4038600" cy="4525963"/>
+            <a:off x="6197600" y="1600201"/>
+            <a:ext cx="5384800" cy="4525963"/>
           </a:xfrm>
         </p:spPr>
         <p:txBody>
@@ -1306,35 +1765,35 @@
           <a:p>
             <a:pPr lvl="0"/>
             <a:r>
-              <a:rPr lang="en-GB" smtClean="0"/>
+              <a:rPr lang="en-GB"/>
               <a:t>Click to edit Master text styles</a:t>
             </a:r>
           </a:p>
           <a:p>
             <a:pPr lvl="1"/>
             <a:r>
-              <a:rPr lang="en-GB" smtClean="0"/>
+              <a:rPr lang="en-GB"/>
               <a:t>Second level</a:t>
             </a:r>
           </a:p>
           <a:p>
             <a:pPr lvl="2"/>
             <a:r>
-              <a:rPr lang="en-GB" smtClean="0"/>
+              <a:rPr lang="en-GB"/>
               <a:t>Third level</a:t>
             </a:r>
           </a:p>
           <a:p>
             <a:pPr lvl="3"/>
             <a:r>
-              <a:rPr lang="en-GB" smtClean="0"/>
+              <a:rPr lang="en-GB"/>
               <a:t>Fourth level</a:t>
             </a:r>
           </a:p>
           <a:p>
             <a:pPr lvl="4"/>
             <a:r>
-              <a:rPr lang="en-GB" smtClean="0"/>
+              <a:rPr lang="en-GB"/>
               <a:t>Fifth level</a:t>
             </a:r>
             <a:endParaRPr lang="en-US"/>
@@ -1358,7 +1817,7 @@
           <a:p>
             <a:fld id="{07AF7C9C-3FFC-F543-8CD5-56B058077314}" type="datetimeFigureOut">
               <a:rPr lang="en-US" smtClean="0"/>
-              <a:t>7/9/18</a:t>
+              <a:t>9/27/2018</a:t>
             </a:fld>
             <a:endParaRPr lang="en-US"/>
           </a:p>
@@ -1456,7 +1915,7 @@
           </a:lstStyle>
           <a:p>
             <a:r>
-              <a:rPr lang="en-GB" smtClean="0"/>
+              <a:rPr lang="en-GB"/>
               <a:t>Click to edit Master title style</a:t>
             </a:r>
             <a:endParaRPr lang="en-US"/>
@@ -1475,8 +1934,8 @@
         </p:nvSpPr>
         <p:spPr>
           <a:xfrm>
-            <a:off x="457200" y="1535113"/>
-            <a:ext cx="4040188" cy="639762"/>
+            <a:off x="609600" y="1535113"/>
+            <a:ext cx="5386917" cy="639762"/>
           </a:xfrm>
         </p:spPr>
         <p:txBody>
@@ -1522,7 +1981,7 @@
           <a:p>
             <a:pPr lvl="0"/>
             <a:r>
-              <a:rPr lang="en-GB" smtClean="0"/>
+              <a:rPr lang="en-GB"/>
               <a:t>Click to edit Master text styles</a:t>
             </a:r>
           </a:p>
@@ -1540,8 +1999,8 @@
         </p:nvSpPr>
         <p:spPr>
           <a:xfrm>
-            <a:off x="457200" y="2174875"/>
-            <a:ext cx="4040188" cy="3951288"/>
+            <a:off x="609600" y="2174875"/>
+            <a:ext cx="5386917" cy="3951288"/>
           </a:xfrm>
         </p:spPr>
         <p:txBody>
@@ -1578,35 +2037,35 @@
           <a:p>
             <a:pPr lvl="0"/>
             <a:r>
-              <a:rPr lang="en-GB" smtClean="0"/>
+              <a:rPr lang="en-GB"/>
               <a:t>Click to edit Master text styles</a:t>
             </a:r>
           </a:p>
           <a:p>
             <a:pPr lvl="1"/>
             <a:r>
-              <a:rPr lang="en-GB" smtClean="0"/>
+              <a:rPr lang="en-GB"/>
               <a:t>Second level</a:t>
             </a:r>
           </a:p>
           <a:p>
             <a:pPr lvl="2"/>
             <a:r>
-              <a:rPr lang="en-GB" smtClean="0"/>
+              <a:rPr lang="en-GB"/>
               <a:t>Third level</a:t>
             </a:r>
           </a:p>
           <a:p>
             <a:pPr lvl="3"/>
             <a:r>
-              <a:rPr lang="en-GB" smtClean="0"/>
+              <a:rPr lang="en-GB"/>
               <a:t>Fourth level</a:t>
             </a:r>
           </a:p>
           <a:p>
             <a:pPr lvl="4"/>
             <a:r>
-              <a:rPr lang="en-GB" smtClean="0"/>
+              <a:rPr lang="en-GB"/>
               <a:t>Fifth level</a:t>
             </a:r>
             <a:endParaRPr lang="en-US"/>
@@ -1625,8 +2084,8 @@
         </p:nvSpPr>
         <p:spPr>
           <a:xfrm>
-            <a:off x="4645025" y="1535113"/>
-            <a:ext cx="4041775" cy="639762"/>
+            <a:off x="6193368" y="1535113"/>
+            <a:ext cx="5389033" cy="639762"/>
           </a:xfrm>
         </p:spPr>
         <p:txBody>
@@ -1672,7 +2131,7 @@
           <a:p>
             <a:pPr lvl="0"/>
             <a:r>
-              <a:rPr lang="en-GB" smtClean="0"/>
+              <a:rPr lang="en-GB"/>
               <a:t>Click to edit Master text styles</a:t>
             </a:r>
           </a:p>
@@ -1690,8 +2149,8 @@
         </p:nvSpPr>
         <p:spPr>
           <a:xfrm>
-            <a:off x="4645025" y="2174875"/>
-            <a:ext cx="4041775" cy="3951288"/>
+            <a:off x="6193368" y="2174875"/>
+            <a:ext cx="5389033" cy="3951288"/>
           </a:xfrm>
         </p:spPr>
         <p:txBody>
@@ -1728,35 +2187,35 @@
           <a:p>
             <a:pPr lvl="0"/>
             <a:r>
-              <a:rPr lang="en-GB" smtClean="0"/>
+              <a:rPr lang="en-GB"/>
               <a:t>Click to edit Master text styles</a:t>
             </a:r>
           </a:p>
           <a:p>
             <a:pPr lvl="1"/>
             <a:r>
-              <a:rPr lang="en-GB" smtClean="0"/>
+              <a:rPr lang="en-GB"/>
               <a:t>Second level</a:t>
             </a:r>
           </a:p>
           <a:p>
             <a:pPr lvl="2"/>
             <a:r>
-              <a:rPr lang="en-GB" smtClean="0"/>
+              <a:rPr lang="en-GB"/>
               <a:t>Third level</a:t>
             </a:r>
           </a:p>
           <a:p>
             <a:pPr lvl="3"/>
             <a:r>
-              <a:rPr lang="en-GB" smtClean="0"/>
+              <a:rPr lang="en-GB"/>
               <a:t>Fourth level</a:t>
             </a:r>
           </a:p>
           <a:p>
             <a:pPr lvl="4"/>
             <a:r>
-              <a:rPr lang="en-GB" smtClean="0"/>
+              <a:rPr lang="en-GB"/>
               <a:t>Fifth level</a:t>
             </a:r>
             <a:endParaRPr lang="en-US"/>
@@ -1780,7 +2239,7 @@
           <a:p>
             <a:fld id="{07AF7C9C-3FFC-F543-8CD5-56B058077314}" type="datetimeFigureOut">
               <a:rPr lang="en-US" smtClean="0"/>
-              <a:t>7/9/18</a:t>
+              <a:t>9/27/2018</a:t>
             </a:fld>
             <a:endParaRPr lang="en-US"/>
           </a:p>
@@ -1874,7 +2333,7 @@
           <a:lstStyle/>
           <a:p>
             <a:r>
-              <a:rPr lang="en-GB" smtClean="0"/>
+              <a:rPr lang="en-GB"/>
               <a:t>Click to edit Master title style</a:t>
             </a:r>
             <a:endParaRPr lang="en-US"/>
@@ -1898,7 +2357,7 @@
           <a:p>
             <a:fld id="{07AF7C9C-3FFC-F543-8CD5-56B058077314}" type="datetimeFigureOut">
               <a:rPr lang="en-US" smtClean="0"/>
-              <a:t>7/9/18</a:t>
+              <a:t>9/27/2018</a:t>
             </a:fld>
             <a:endParaRPr lang="en-US"/>
           </a:p>
@@ -1993,7 +2452,7 @@
           <a:p>
             <a:fld id="{07AF7C9C-3FFC-F543-8CD5-56B058077314}" type="datetimeFigureOut">
               <a:rPr lang="en-US" smtClean="0"/>
-              <a:t>7/9/18</a:t>
+              <a:t>9/27/2018</a:t>
             </a:fld>
             <a:endParaRPr lang="en-US"/>
           </a:p>
@@ -2083,8 +2542,8 @@
         </p:nvSpPr>
         <p:spPr>
           <a:xfrm>
-            <a:off x="457200" y="273050"/>
-            <a:ext cx="3008313" cy="1162050"/>
+            <a:off x="609601" y="273050"/>
+            <a:ext cx="4011084" cy="1162050"/>
           </a:xfrm>
         </p:spPr>
         <p:txBody>
@@ -2096,7 +2555,7 @@
           </a:lstStyle>
           <a:p>
             <a:r>
-              <a:rPr lang="en-GB" smtClean="0"/>
+              <a:rPr lang="en-GB"/>
               <a:t>Click to edit Master title style</a:t>
             </a:r>
             <a:endParaRPr lang="en-US"/>
@@ -2115,8 +2574,8 @@
         </p:nvSpPr>
         <p:spPr>
           <a:xfrm>
-            <a:off x="3575050" y="273050"/>
-            <a:ext cx="5111750" cy="5853113"/>
+            <a:off x="4766733" y="273051"/>
+            <a:ext cx="6815667" cy="5853113"/>
           </a:xfrm>
         </p:spPr>
         <p:txBody>
@@ -2153,35 +2612,35 @@
           <a:p>
             <a:pPr lvl="0"/>
             <a:r>
-              <a:rPr lang="en-GB" smtClean="0"/>
+              <a:rPr lang="en-GB"/>
               <a:t>Click to edit Master text styles</a:t>
             </a:r>
           </a:p>
           <a:p>
             <a:pPr lvl="1"/>
             <a:r>
-              <a:rPr lang="en-GB" smtClean="0"/>
+              <a:rPr lang="en-GB"/>
               <a:t>Second level</a:t>
             </a:r>
           </a:p>
           <a:p>
             <a:pPr lvl="2"/>
             <a:r>
-              <a:rPr lang="en-GB" smtClean="0"/>
+              <a:rPr lang="en-GB"/>
               <a:t>Third level</a:t>
             </a:r>
           </a:p>
           <a:p>
             <a:pPr lvl="3"/>
             <a:r>
-              <a:rPr lang="en-GB" smtClean="0"/>
+              <a:rPr lang="en-GB"/>
               <a:t>Fourth level</a:t>
             </a:r>
           </a:p>
           <a:p>
             <a:pPr lvl="4"/>
             <a:r>
-              <a:rPr lang="en-GB" smtClean="0"/>
+              <a:rPr lang="en-GB"/>
               <a:t>Fifth level</a:t>
             </a:r>
             <a:endParaRPr lang="en-US"/>
@@ -2200,8 +2659,8 @@
         </p:nvSpPr>
         <p:spPr>
           <a:xfrm>
-            <a:off x="457200" y="1435100"/>
-            <a:ext cx="3008313" cy="4691063"/>
+            <a:off x="609601" y="1435101"/>
+            <a:ext cx="4011084" cy="4691063"/>
           </a:xfrm>
         </p:spPr>
         <p:txBody>
@@ -2247,7 +2706,7 @@
           <a:p>
             <a:pPr lvl="0"/>
             <a:r>
-              <a:rPr lang="en-GB" smtClean="0"/>
+              <a:rPr lang="en-GB"/>
               <a:t>Click to edit Master text styles</a:t>
             </a:r>
           </a:p>
@@ -2270,7 +2729,7 @@
           <a:p>
             <a:fld id="{07AF7C9C-3FFC-F543-8CD5-56B058077314}" type="datetimeFigureOut">
               <a:rPr lang="en-US" smtClean="0"/>
-              <a:t>7/9/18</a:t>
+              <a:t>9/27/2018</a:t>
             </a:fld>
             <a:endParaRPr lang="en-US"/>
           </a:p>
@@ -2360,8 +2819,8 @@
         </p:nvSpPr>
         <p:spPr>
           <a:xfrm>
-            <a:off x="1792288" y="4800600"/>
-            <a:ext cx="5486400" cy="566738"/>
+            <a:off x="2389717" y="4800600"/>
+            <a:ext cx="7315200" cy="566738"/>
           </a:xfrm>
         </p:spPr>
         <p:txBody>
@@ -2373,7 +2832,7 @@
           </a:lstStyle>
           <a:p>
             <a:r>
-              <a:rPr lang="en-GB" smtClean="0"/>
+              <a:rPr lang="en-GB"/>
               <a:t>Click to edit Master title style</a:t>
             </a:r>
             <a:endParaRPr lang="en-US"/>
@@ -2392,8 +2851,8 @@
         </p:nvSpPr>
         <p:spPr>
           <a:xfrm>
-            <a:off x="1792288" y="612775"/>
-            <a:ext cx="5486400" cy="4114800"/>
+            <a:off x="2389717" y="612775"/>
+            <a:ext cx="7315200" cy="4114800"/>
           </a:xfrm>
         </p:spPr>
         <p:txBody>
@@ -2453,8 +2912,8 @@
         </p:nvSpPr>
         <p:spPr>
           <a:xfrm>
-            <a:off x="1792288" y="5367338"/>
-            <a:ext cx="5486400" cy="804862"/>
+            <a:off x="2389717" y="5367338"/>
+            <a:ext cx="7315200" cy="804862"/>
           </a:xfrm>
         </p:spPr>
         <p:txBody>
@@ -2500,7 +2959,7 @@
           <a:p>
             <a:pPr lvl="0"/>
             <a:r>
-              <a:rPr lang="en-GB" smtClean="0"/>
+              <a:rPr lang="en-GB"/>
               <a:t>Click to edit Master text styles</a:t>
             </a:r>
           </a:p>
@@ -2523,7 +2982,7 @@
           <a:p>
             <a:fld id="{07AF7C9C-3FFC-F543-8CD5-56B058077314}" type="datetimeFigureOut">
               <a:rPr lang="en-US" smtClean="0"/>
-              <a:t>7/9/18</a:t>
+              <a:t>9/27/2018</a:t>
             </a:fld>
             <a:endParaRPr lang="en-US"/>
           </a:p>
@@ -2618,8 +3077,8 @@
         </p:nvSpPr>
         <p:spPr>
           <a:xfrm>
-            <a:off x="457200" y="274638"/>
-            <a:ext cx="8229600" cy="1143000"/>
+            <a:off x="609600" y="274638"/>
+            <a:ext cx="10972800" cy="1143000"/>
           </a:xfrm>
           <a:prstGeom prst="rect">
             <a:avLst/>
@@ -2632,7 +3091,7 @@
           <a:lstStyle/>
           <a:p>
             <a:r>
-              <a:rPr lang="en-GB" smtClean="0"/>
+              <a:rPr lang="en-GB"/>
               <a:t>Click to edit Master title style</a:t>
             </a:r>
             <a:endParaRPr lang="en-US"/>
@@ -2651,8 +3110,8 @@
         </p:nvSpPr>
         <p:spPr>
           <a:xfrm>
-            <a:off x="457200" y="1600200"/>
-            <a:ext cx="8229600" cy="4525963"/>
+            <a:off x="609600" y="1600201"/>
+            <a:ext cx="10972800" cy="4525963"/>
           </a:xfrm>
           <a:prstGeom prst="rect">
             <a:avLst/>
@@ -2666,35 +3125,35 @@
           <a:p>
             <a:pPr lvl="0"/>
             <a:r>
-              <a:rPr lang="en-GB" smtClean="0"/>
+              <a:rPr lang="en-GB"/>
               <a:t>Click to edit Master text styles</a:t>
             </a:r>
           </a:p>
           <a:p>
             <a:pPr lvl="1"/>
             <a:r>
-              <a:rPr lang="en-GB" smtClean="0"/>
+              <a:rPr lang="en-GB"/>
               <a:t>Second level</a:t>
             </a:r>
           </a:p>
           <a:p>
             <a:pPr lvl="2"/>
             <a:r>
-              <a:rPr lang="en-GB" smtClean="0"/>
+              <a:rPr lang="en-GB"/>
               <a:t>Third level</a:t>
             </a:r>
           </a:p>
           <a:p>
             <a:pPr lvl="3"/>
             <a:r>
-              <a:rPr lang="en-GB" smtClean="0"/>
+              <a:rPr lang="en-GB"/>
               <a:t>Fourth level</a:t>
             </a:r>
           </a:p>
           <a:p>
             <a:pPr lvl="4"/>
             <a:r>
-              <a:rPr lang="en-GB" smtClean="0"/>
+              <a:rPr lang="en-GB"/>
               <a:t>Fifth level</a:t>
             </a:r>
             <a:endParaRPr lang="en-US"/>
@@ -2713,8 +3172,8 @@
         </p:nvSpPr>
         <p:spPr>
           <a:xfrm>
-            <a:off x="457200" y="6356350"/>
-            <a:ext cx="2133600" cy="365125"/>
+            <a:off x="609600" y="6356351"/>
+            <a:ext cx="2844800" cy="365125"/>
           </a:xfrm>
           <a:prstGeom prst="rect">
             <a:avLst/>
@@ -2736,7 +3195,7 @@
           <a:p>
             <a:fld id="{07AF7C9C-3FFC-F543-8CD5-56B058077314}" type="datetimeFigureOut">
               <a:rPr lang="en-US" smtClean="0"/>
-              <a:t>7/9/18</a:t>
+              <a:t>9/27/2018</a:t>
             </a:fld>
             <a:endParaRPr lang="en-US"/>
           </a:p>
@@ -2754,8 +3213,8 @@
         </p:nvSpPr>
         <p:spPr>
           <a:xfrm>
-            <a:off x="3124200" y="6356350"/>
-            <a:ext cx="2895600" cy="365125"/>
+            <a:off x="4165600" y="6356351"/>
+            <a:ext cx="3860800" cy="365125"/>
           </a:xfrm>
           <a:prstGeom prst="rect">
             <a:avLst/>
@@ -2791,8 +3250,8 @@
         </p:nvSpPr>
         <p:spPr>
           <a:xfrm>
-            <a:off x="6553200" y="6356350"/>
-            <a:ext cx="2133600" cy="365125"/>
+            <a:off x="8737600" y="6356351"/>
+            <a:ext cx="2844800" cy="365125"/>
           </a:xfrm>
           <a:prstGeom prst="rect">
             <a:avLst/>
@@ -3097,6 +3556,17 @@
 <file path=ppt/slides/slide1.xml><?xml version="1.0" encoding="utf-8"?>
 <p:sld xmlns:a="http://schemas.openxmlformats.org/drawingml/2006/main" xmlns:r="http://schemas.openxmlformats.org/officeDocument/2006/relationships" xmlns:p="http://schemas.openxmlformats.org/presentationml/2006/main">
   <p:cSld>
+    <p:bg>
+      <p:bgPr>
+        <a:solidFill>
+          <a:schemeClr val="tx2">
+            <a:lumMod val="60000"/>
+            <a:lumOff val="40000"/>
+          </a:schemeClr>
+        </a:solidFill>
+        <a:effectLst/>
+      </p:bgPr>
+    </p:bg>
     <p:spTree>
       <p:nvGrpSpPr>
         <p:cNvPr id="1" name=""/>
@@ -3113,99 +3583,224 @@
       </p:grpSpPr>
       <p:sp>
         <p:nvSpPr>
-          <p:cNvPr id="2" name="map"/>
-          <p:cNvSpPr>
-            <a:spLocks noChangeAspect="1"/>
-          </p:cNvSpPr>
+          <p:cNvPr id="2000" name="footprint"/>
+          <p:cNvSpPr/>
           <p:nvPr/>
         </p:nvSpPr>
         <p:spPr>
           <a:xfrm>
-            <a:off x="664748" y="2281866"/>
-            <a:ext cx="5576649" cy="4037911"/>
+            <a:off x="2591381" y="1662018"/>
+            <a:ext cx="80881" cy="77368"/>
+          </a:xfrm>
+          <a:prstGeom prst="ellipse">
+            <a:avLst/>
+          </a:prstGeom>
+          <a:solidFill>
+            <a:srgbClr val="F68222"/>
+          </a:solidFill>
+        </p:spPr>
+        <p:style>
+          <a:lnRef idx="1">
+            <a:schemeClr val="accent1"/>
+          </a:lnRef>
+          <a:fillRef idx="3">
+            <a:schemeClr val="accent1"/>
+          </a:fillRef>
+          <a:effectRef idx="2">
+            <a:schemeClr val="accent1"/>
+          </a:effectRef>
+          <a:fontRef idx="minor">
+            <a:schemeClr val="lt1"/>
+          </a:fontRef>
+        </p:style>
+        <p:txBody>
+          <a:bodyPr rtlCol="0" anchor="ctr"/>
+          <a:lstStyle/>
+          <a:p>
+            <a:pPr algn="ctr"/>
+            <a:endParaRPr lang="en-US"/>
+          </a:p>
+        </p:txBody>
+      </p:sp>
+      <p:sp>
+        <p:nvSpPr>
+          <p:cNvPr id="2" name="map"/>
+          <p:cNvSpPr/>
+          <p:nvPr/>
+        </p:nvSpPr>
+        <p:spPr>
+          <a:xfrm>
+            <a:off x="2486111" y="265548"/>
+            <a:ext cx="6703821" cy="4670507"/>
+          </a:xfrm>
+          <a:prstGeom prst="rect">
+            <a:avLst/>
+          </a:prstGeom>
+          <a:noFill/>
+          <a:ln>
+            <a:noFill/>
+          </a:ln>
+        </p:spPr>
+        <p:style>
+          <a:lnRef idx="1">
+            <a:schemeClr val="accent1"/>
+          </a:lnRef>
+          <a:fillRef idx="3">
+            <a:schemeClr val="accent1"/>
+          </a:fillRef>
+          <a:effectRef idx="2">
+            <a:schemeClr val="accent1"/>
+          </a:effectRef>
+          <a:fontRef idx="minor">
+            <a:schemeClr val="lt1"/>
+          </a:fontRef>
+        </p:style>
+        <p:txBody>
+          <a:bodyPr rtlCol="0" anchor="ctr"/>
+          <a:lstStyle/>
+          <a:p>
+            <a:pPr algn="ctr"/>
+            <a:endParaRPr lang="en-US"/>
+          </a:p>
+        </p:txBody>
+      </p:sp>
+      <p:sp>
+        <p:nvSpPr>
+          <p:cNvPr id="25" name="track"/>
+          <p:cNvSpPr/>
+          <p:nvPr/>
+        </p:nvSpPr>
+        <p:spPr>
+          <a:xfrm>
+            <a:off x="2885807" y="589140"/>
+            <a:ext cx="5920587" cy="1429560"/>
+          </a:xfrm>
+          <a:custGeom>
+            <a:avLst/>
+            <a:gdLst>
+              <a:gd name="connsiteX0" fmla="*/ 0 w 5646821"/>
+              <a:gd name="connsiteY0" fmla="*/ 1267327 h 1429560"/>
+              <a:gd name="connsiteX1" fmla="*/ 2486526 w 5646821"/>
+              <a:gd name="connsiteY1" fmla="*/ 1363579 h 1429560"/>
+              <a:gd name="connsiteX2" fmla="*/ 3737810 w 5646821"/>
+              <a:gd name="connsiteY2" fmla="*/ 401053 h 1429560"/>
+              <a:gd name="connsiteX3" fmla="*/ 4427621 w 5646821"/>
+              <a:gd name="connsiteY3" fmla="*/ 753979 h 1429560"/>
+              <a:gd name="connsiteX4" fmla="*/ 5646821 w 5646821"/>
+              <a:gd name="connsiteY4" fmla="*/ 0 h 1429560"/>
+            </a:gdLst>
+            <a:ahLst/>
+            <a:cxnLst>
+              <a:cxn ang="0">
+                <a:pos x="connsiteX0" y="connsiteY0"/>
+              </a:cxn>
+              <a:cxn ang="0">
+                <a:pos x="connsiteX1" y="connsiteY1"/>
+              </a:cxn>
+              <a:cxn ang="0">
+                <a:pos x="connsiteX2" y="connsiteY2"/>
+              </a:cxn>
+              <a:cxn ang="0">
+                <a:pos x="connsiteX3" y="connsiteY3"/>
+              </a:cxn>
+              <a:cxn ang="0">
+                <a:pos x="connsiteX4" y="connsiteY4"/>
+              </a:cxn>
+            </a:cxnLst>
+            <a:rect l="l" t="t" r="r" b="b"/>
+            <a:pathLst>
+              <a:path w="5646821" h="1429560">
+                <a:moveTo>
+                  <a:pt x="0" y="1267327"/>
+                </a:moveTo>
+                <a:cubicBezTo>
+                  <a:pt x="931779" y="1387642"/>
+                  <a:pt x="1863558" y="1507958"/>
+                  <a:pt x="2486526" y="1363579"/>
+                </a:cubicBezTo>
+                <a:cubicBezTo>
+                  <a:pt x="3109494" y="1219200"/>
+                  <a:pt x="3414294" y="502653"/>
+                  <a:pt x="3737810" y="401053"/>
+                </a:cubicBezTo>
+                <a:cubicBezTo>
+                  <a:pt x="4061326" y="299453"/>
+                  <a:pt x="4109453" y="820821"/>
+                  <a:pt x="4427621" y="753979"/>
+                </a:cubicBezTo>
+                <a:cubicBezTo>
+                  <a:pt x="4745790" y="687137"/>
+                  <a:pt x="5196305" y="343568"/>
+                  <a:pt x="5646821" y="0"/>
+                </a:cubicBezTo>
+              </a:path>
+            </a:pathLst>
+          </a:custGeom>
+          <a:noFill/>
+          <a:ln w="28575">
+            <a:solidFill>
+              <a:srgbClr val="0070C0"/>
+            </a:solidFill>
+          </a:ln>
+          <a:effectLst/>
+        </p:spPr>
+        <p:style>
+          <a:lnRef idx="1">
+            <a:schemeClr val="accent1"/>
+          </a:lnRef>
+          <a:fillRef idx="3">
+            <a:schemeClr val="accent1"/>
+          </a:fillRef>
+          <a:effectRef idx="2">
+            <a:schemeClr val="accent1"/>
+          </a:effectRef>
+          <a:fontRef idx="minor">
+            <a:schemeClr val="lt1"/>
+          </a:fontRef>
+        </p:style>
+        <p:txBody>
+          <a:bodyPr rtlCol="0" anchor="ctr"/>
+          <a:lstStyle/>
+          <a:p>
+            <a:pPr algn="ctr"/>
+            <a:endParaRPr lang="en-US"/>
+          </a:p>
+        </p:txBody>
+      </p:sp>
+      <p:sp>
+        <p:nvSpPr>
+          <p:cNvPr id="18" name="Rectangle 17"/>
+          <p:cNvSpPr/>
+          <p:nvPr/>
+        </p:nvSpPr>
+        <p:spPr>
+          <a:xfrm>
+            <a:off x="0" y="4950324"/>
+            <a:ext cx="12206348" cy="1907676"/>
           </a:xfrm>
           <a:prstGeom prst="rect">
             <a:avLst/>
           </a:prstGeom>
           <a:solidFill>
-            <a:schemeClr val="bg1">
-              <a:lumMod val="85000"/>
-            </a:schemeClr>
+            <a:srgbClr val="1F3860"/>
           </a:solidFill>
-          <a:ln w="38100"/>
+          <a:ln>
+            <a:noFill/>
+          </a:ln>
+          <a:effectLst/>
         </p:spPr>
         <p:style>
-          <a:lnRef idx="2">
-            <a:schemeClr val="dk1"/>
-          </a:lnRef>
-          <a:fillRef idx="1">
-            <a:schemeClr val="lt1"/>
-          </a:fillRef>
-          <a:effectRef idx="0">
-            <a:schemeClr val="dk1"/>
-          </a:effectRef>
-          <a:fontRef idx="minor">
-            <a:schemeClr val="dk1"/>
-          </a:fontRef>
-        </p:style>
-        <p:txBody>
-          <a:bodyPr rtlCol="0" anchor="ctr"/>
-          <a:lstStyle/>
-          <a:p>
-            <a:pPr algn="ctr"/>
-            <a:endParaRPr lang="en-US"/>
-          </a:p>
-        </p:txBody>
-      </p:sp>
-      <p:sp>
-        <p:nvSpPr>
-          <p:cNvPr id="4" name="track"/>
-          <p:cNvSpPr/>
-          <p:nvPr/>
-        </p:nvSpPr>
-        <p:spPr>
-          <a:xfrm>
-            <a:off x="2113302" y="1964389"/>
-            <a:ext cx="1478320" cy="1696772"/>
-          </a:xfrm>
-          <a:custGeom>
-            <a:avLst/>
-            <a:gdLst/>
-            <a:ahLst/>
-            <a:cxnLst/>
-            <a:rect l="l" t="t" r="r" b="b"/>
-            <a:pathLst>
-              <a:path w="1478320" h="1696772">
-                <a:moveTo>
-                  <a:pt x="0" y="30018"/>
-                </a:moveTo>
-                <a:lnTo>
-                  <a:pt x="297649" y="1051897"/>
-                </a:lnTo>
-                <a:lnTo>
-                  <a:pt x="1478320" y="506233"/>
-                </a:lnTo>
-              </a:path>
-            </a:pathLst>
-          </a:custGeom>
-          <a:ln>
-            <a:solidFill>
-              <a:srgbClr val="FFFF00"/>
-            </a:solidFill>
-          </a:ln>
-        </p:spPr>
-        <p:style>
-          <a:lnRef idx="2">
+          <a:lnRef idx="1">
             <a:schemeClr val="accent1"/>
           </a:lnRef>
-          <a:fillRef idx="0">
+          <a:fillRef idx="3">
             <a:schemeClr val="accent1"/>
           </a:fillRef>
-          <a:effectRef idx="1">
+          <a:effectRef idx="2">
             <a:schemeClr val="accent1"/>
           </a:effectRef>
           <a:fontRef idx="minor">
-            <a:schemeClr val="tx1"/>
+            <a:schemeClr val="lt1"/>
           </a:fontRef>
         </p:style>
         <p:txBody>
@@ -3219,88 +3814,167 @@
       </p:sp>
       <p:sp>
         <p:nvSpPr>
-          <p:cNvPr id="5" name="marker"/>
-          <p:cNvSpPr/>
+          <p:cNvPr id="199" name="narrative"/>
+          <p:cNvSpPr txBox="1"/>
           <p:nvPr/>
         </p:nvSpPr>
         <p:spPr>
           <a:xfrm>
-            <a:off x="983993" y="735821"/>
-            <a:ext cx="613385" cy="354359"/>
-          </a:xfrm>
-          <a:prstGeom prst="wedgeRectCallout">
-            <a:avLst>
-              <a:gd name="adj1" fmla="val 48987"/>
-              <a:gd name="adj2" fmla="val 66274"/>
-            </a:avLst>
-          </a:prstGeom>
-          <a:solidFill>
-            <a:schemeClr val="bg1">
-              <a:lumMod val="95000"/>
-              <a:alpha val="70000"/>
-            </a:schemeClr>
-          </a:solidFill>
-          <a:ln w="50800">
-            <a:solidFill>
-              <a:srgbClr val="FF2600"/>
-            </a:solidFill>
-          </a:ln>
-        </p:spPr>
-        <p:style>
-          <a:lnRef idx="2">
-            <a:schemeClr val="accent3"/>
-          </a:lnRef>
-          <a:fillRef idx="1">
-            <a:schemeClr val="lt1"/>
-          </a:fillRef>
-          <a:effectRef idx="0">
-            <a:schemeClr val="accent3"/>
-          </a:effectRef>
-          <a:fontRef idx="minor">
-            <a:schemeClr val="dk1"/>
-          </a:fontRef>
-        </p:style>
-        <p:txBody>
-          <a:bodyPr rtlCol="0" anchor="ctr"/>
-          <a:lstStyle/>
-          <a:p>
-            <a:pPr algn="ctr"/>
-            <a:r>
-              <a:rPr lang="en-US" sz="1400" b="1" dirty="0" smtClean="0">
-                <a:solidFill>
-                  <a:sysClr val="windowText" lastClr="000000"/>
-                </a:solidFill>
-                <a:latin typeface="Courier New"/>
-                <a:cs typeface="Courier New"/>
-              </a:rPr>
-              <a:t>AAAA</a:t>
-            </a:r>
-            <a:endParaRPr lang="en-US" sz="1400" b="1" dirty="0">
-              <a:solidFill>
-                <a:sysClr val="windowText" lastClr="000000"/>
-              </a:solidFill>
-              <a:latin typeface="Courier New"/>
-              <a:cs typeface="Courier New"/>
-            </a:endParaRPr>
-          </a:p>
-        </p:txBody>
-      </p:sp>
-      <p:sp>
-        <p:nvSpPr>
-          <p:cNvPr id="6" name="time"/>
-          <p:cNvSpPr txBox="1"/>
-          <p:nvPr/>
-        </p:nvSpPr>
-        <p:spPr>
-          <a:xfrm>
-            <a:off x="7849981" y="6488668"/>
-            <a:ext cx="1294019" cy="369332"/>
+            <a:off x="6574981" y="5831898"/>
+            <a:ext cx="5570738" cy="1015663"/>
           </a:xfrm>
           <a:prstGeom prst="rect">
             <a:avLst/>
           </a:prstGeom>
           <a:solidFill>
-            <a:schemeClr val="tx1"/>
+            <a:srgbClr val="1F3860"/>
+          </a:solidFill>
+        </p:spPr>
+        <p:txBody>
+          <a:bodyPr wrap="square" rtlCol="0">
+            <a:spAutoFit/>
+          </a:bodyPr>
+          <a:lstStyle/>
+          <a:p>
+            <a:r>
+              <a:rPr lang="en-US" sz="2000" dirty="0">
+                <a:solidFill>
+                  <a:schemeClr val="bg1"/>
+                </a:solidFill>
+                <a:latin typeface="Open Sans" panose="020B0606030504020204" pitchFamily="34" charset="0"/>
+                <a:ea typeface="Open Sans" panose="020B0606030504020204" pitchFamily="34" charset="0"/>
+                <a:cs typeface="Open Sans" panose="020B0606030504020204" pitchFamily="34" charset="0"/>
+              </a:rPr>
+              <a:t>Enter Trail</a:t>
+            </a:r>
+            <a:r>
+              <a:rPr lang="mr-IN" sz="2000" dirty="0">
+                <a:solidFill>
+                  <a:schemeClr val="bg1"/>
+                </a:solidFill>
+                <a:latin typeface="Open Sans" panose="020B0606030504020204" pitchFamily="34" charset="0"/>
+                <a:ea typeface="Open Sans" panose="020B0606030504020204" pitchFamily="34" charset="0"/>
+              </a:rPr>
+              <a:t>…</a:t>
+            </a:r>
+            <a:endParaRPr lang="en-US" sz="2000" dirty="0">
+              <a:solidFill>
+                <a:schemeClr val="bg1"/>
+              </a:solidFill>
+              <a:latin typeface="Open Sans" panose="020B0606030504020204" pitchFamily="34" charset="0"/>
+              <a:ea typeface="Open Sans" panose="020B0606030504020204" pitchFamily="34" charset="0"/>
+            </a:endParaRPr>
+          </a:p>
+          <a:p>
+            <a:endParaRPr lang="en-US" sz="2000" dirty="0">
+              <a:solidFill>
+                <a:schemeClr val="bg1"/>
+              </a:solidFill>
+              <a:latin typeface="Open Sans" panose="020B0606030504020204" pitchFamily="34" charset="0"/>
+              <a:ea typeface="Open Sans" panose="020B0606030504020204" pitchFamily="34" charset="0"/>
+              <a:cs typeface="Open Sans" panose="020B0606030504020204" pitchFamily="34" charset="0"/>
+            </a:endParaRPr>
+          </a:p>
+          <a:p>
+            <a:endParaRPr lang="en-US" sz="2000" dirty="0">
+              <a:solidFill>
+                <a:schemeClr val="bg1"/>
+              </a:solidFill>
+              <a:latin typeface="Open Sans" panose="020B0606030504020204" pitchFamily="34" charset="0"/>
+              <a:ea typeface="Open Sans" panose="020B0606030504020204" pitchFamily="34" charset="0"/>
+              <a:cs typeface="Open Sans" panose="020B0606030504020204" pitchFamily="34" charset="0"/>
+            </a:endParaRPr>
+          </a:p>
+        </p:txBody>
+      </p:sp>
+      <p:sp>
+        <p:nvSpPr>
+          <p:cNvPr id="5" name="TextBox 4"/>
+          <p:cNvSpPr txBox="1"/>
+          <p:nvPr/>
+        </p:nvSpPr>
+        <p:spPr>
+          <a:xfrm>
+            <a:off x="4154720" y="5397942"/>
+            <a:ext cx="3117771" cy="369332"/>
+          </a:xfrm>
+          <a:prstGeom prst="rect">
+            <a:avLst/>
+          </a:prstGeom>
+          <a:noFill/>
+        </p:spPr>
+        <p:txBody>
+          <a:bodyPr wrap="square" rtlCol="0">
+            <a:spAutoFit/>
+          </a:bodyPr>
+          <a:lstStyle/>
+          <a:p>
+            <a:r>
+              <a:rPr lang="en-US" b="1" dirty="0">
+                <a:solidFill>
+                  <a:srgbClr val="00B0F0"/>
+                </a:solidFill>
+                <a:latin typeface="Open Sans" panose="020B0606030504020204" pitchFamily="34" charset="0"/>
+                <a:ea typeface="Open Sans" panose="020B0606030504020204" pitchFamily="34" charset="0"/>
+                <a:cs typeface="Open Sans" panose="020B0606030504020204" pitchFamily="34" charset="0"/>
+              </a:rPr>
+              <a:t>TIMER</a:t>
+            </a:r>
+          </a:p>
+        </p:txBody>
+      </p:sp>
+      <p:sp>
+        <p:nvSpPr>
+          <p:cNvPr id="42" name="TextBox 41"/>
+          <p:cNvSpPr txBox="1"/>
+          <p:nvPr/>
+        </p:nvSpPr>
+        <p:spPr>
+          <a:xfrm>
+            <a:off x="7047519" y="5425087"/>
+            <a:ext cx="3117771" cy="369332"/>
+          </a:xfrm>
+          <a:prstGeom prst="rect">
+            <a:avLst/>
+          </a:prstGeom>
+          <a:noFill/>
+        </p:spPr>
+        <p:txBody>
+          <a:bodyPr wrap="square" rtlCol="0">
+            <a:spAutoFit/>
+          </a:bodyPr>
+          <a:lstStyle/>
+          <a:p>
+            <a:r>
+              <a:rPr lang="en-US" b="1" dirty="0">
+                <a:solidFill>
+                  <a:srgbClr val="00B0F0"/>
+                </a:solidFill>
+                <a:latin typeface="Open Sans" panose="020B0606030504020204" pitchFamily="34" charset="0"/>
+                <a:ea typeface="Open Sans" panose="020B0606030504020204" pitchFamily="34" charset="0"/>
+                <a:cs typeface="Open Sans" panose="020B0606030504020204" pitchFamily="34" charset="0"/>
+              </a:rPr>
+              <a:t>EVENTS</a:t>
+            </a:r>
+          </a:p>
+        </p:txBody>
+      </p:sp>
+      <p:sp>
+        <p:nvSpPr>
+          <p:cNvPr id="113" name="time"/>
+          <p:cNvSpPr txBox="1"/>
+          <p:nvPr/>
+        </p:nvSpPr>
+        <p:spPr>
+          <a:xfrm>
+            <a:off x="3387681" y="5825137"/>
+            <a:ext cx="2581828" cy="461665"/>
+          </a:xfrm>
+          <a:prstGeom prst="rect">
+            <a:avLst/>
+          </a:prstGeom>
+          <a:solidFill>
+            <a:srgbClr val="1F3860"/>
           </a:solidFill>
         </p:spPr>
         <p:txBody>
@@ -3405,93 +4079,247 @@
           <a:p>
             <a:pPr algn="ctr"/>
             <a:r>
-              <a:rPr lang="en-US" dirty="0" smtClean="0">
+              <a:rPr lang="en-US" sz="2400" b="1" dirty="0">
                 <a:solidFill>
-                  <a:srgbClr val="21FF06"/>
+                  <a:schemeClr val="bg1"/>
+                </a:solidFill>
+                <a:latin typeface="Courier New" panose="02070309020205020404" pitchFamily="49" charset="0"/>
+                <a:ea typeface="Open Sans" panose="020B0606030504020204" pitchFamily="34" charset="0"/>
+                <a:cs typeface="Courier New" panose="02070309020205020404" pitchFamily="49" charset="0"/>
+              </a:rPr>
+              <a:t>11:24:00</a:t>
+            </a:r>
+          </a:p>
+        </p:txBody>
+      </p:sp>
+      <p:pic>
+        <p:nvPicPr>
+          <p:cNvPr id="135" name="Picture 134"/>
+          <p:cNvPicPr>
+            <a:picLocks noChangeAspect="1"/>
+          </p:cNvPicPr>
+          <p:nvPr/>
+        </p:nvPicPr>
+        <p:blipFill>
+          <a:blip r:embed="rId3">
+            <a:extLst/>
+          </a:blip>
+          <a:stretch>
+            <a:fillRect/>
+          </a:stretch>
+        </p:blipFill>
+        <p:spPr>
+          <a:xfrm>
+            <a:off x="3704111" y="5388501"/>
+            <a:ext cx="388214" cy="388214"/>
+          </a:xfrm>
+          <a:prstGeom prst="rect">
+            <a:avLst/>
+          </a:prstGeom>
+        </p:spPr>
+      </p:pic>
+      <p:pic>
+        <p:nvPicPr>
+          <p:cNvPr id="3" name="Picture 2"/>
+          <p:cNvPicPr>
+            <a:picLocks noChangeAspect="1"/>
+          </p:cNvPicPr>
+          <p:nvPr/>
+        </p:nvPicPr>
+        <p:blipFill>
+          <a:blip r:embed="rId4">
+            <a:extLst/>
+          </a:blip>
+          <a:stretch>
+            <a:fillRect/>
+          </a:stretch>
+        </p:blipFill>
+        <p:spPr>
+          <a:xfrm>
+            <a:off x="11075209" y="406872"/>
+            <a:ext cx="628994" cy="628994"/>
+          </a:xfrm>
+          <a:prstGeom prst="rect">
+            <a:avLst/>
+          </a:prstGeom>
+        </p:spPr>
+      </p:pic>
+      <p:sp>
+        <p:nvSpPr>
+          <p:cNvPr id="4" name="Rectangle 3"/>
+          <p:cNvSpPr/>
+          <p:nvPr/>
+        </p:nvSpPr>
+        <p:spPr>
+          <a:xfrm>
+            <a:off x="439806" y="5432759"/>
+            <a:ext cx="3531281" cy="954107"/>
+          </a:xfrm>
+          <a:prstGeom prst="rect">
+            <a:avLst/>
+          </a:prstGeom>
+        </p:spPr>
+        <p:txBody>
+          <a:bodyPr wrap="square">
+            <a:spAutoFit/>
+          </a:bodyPr>
+          <a:lstStyle/>
+          <a:p>
+            <a:r>
+              <a:rPr lang="en-US" sz="2800" b="1" dirty="0">
+                <a:solidFill>
+                  <a:schemeClr val="bg1"/>
+                </a:solidFill>
+                <a:latin typeface="Open Sans" panose="020B0606030504020204" pitchFamily="34" charset="0"/>
+                <a:ea typeface="Open Sans" panose="020B0606030504020204" pitchFamily="34" charset="0"/>
+                <a:cs typeface="Open Sans" panose="020B0606030504020204" pitchFamily="34" charset="0"/>
+              </a:rPr>
+              <a:t>AMERICAS CUP </a:t>
+            </a:r>
+          </a:p>
+          <a:p>
+            <a:r>
+              <a:rPr lang="en-US" sz="2800" b="1" dirty="0">
+                <a:solidFill>
+                  <a:schemeClr val="bg1"/>
+                </a:solidFill>
+                <a:latin typeface="Open Sans" panose="020B0606030504020204" pitchFamily="34" charset="0"/>
+                <a:ea typeface="Open Sans" panose="020B0606030504020204" pitchFamily="34" charset="0"/>
+                <a:cs typeface="Open Sans" panose="020B0606030504020204" pitchFamily="34" charset="0"/>
+              </a:rPr>
+              <a:t>2018. RACE 2A</a:t>
+            </a:r>
+          </a:p>
+        </p:txBody>
+      </p:sp>
+      <p:cxnSp>
+        <p:nvCxnSpPr>
+          <p:cNvPr id="24" name="Straight Connector 23"/>
+          <p:cNvCxnSpPr/>
+          <p:nvPr/>
+        </p:nvCxnSpPr>
+        <p:spPr>
+          <a:xfrm>
+            <a:off x="6176210" y="5384499"/>
+            <a:ext cx="0" cy="1136181"/>
+          </a:xfrm>
+          <a:prstGeom prst="line">
+            <a:avLst/>
+          </a:prstGeom>
+          <a:ln w="12700">
+            <a:solidFill>
+              <a:schemeClr val="bg1"/>
+            </a:solidFill>
+            <a:headEnd type="oval" w="med" len="med"/>
+            <a:tailEnd type="oval" w="med" len="med"/>
+          </a:ln>
+        </p:spPr>
+        <p:style>
+          <a:lnRef idx="2">
+            <a:schemeClr val="accent1"/>
+          </a:lnRef>
+          <a:fillRef idx="0">
+            <a:schemeClr val="accent1"/>
+          </a:fillRef>
+          <a:effectRef idx="1">
+            <a:schemeClr val="accent1"/>
+          </a:effectRef>
+          <a:fontRef idx="minor">
+            <a:schemeClr val="tx1"/>
+          </a:fontRef>
+        </p:style>
+      </p:cxnSp>
+      <p:pic>
+        <p:nvPicPr>
+          <p:cNvPr id="40" name="Picture 39"/>
+          <p:cNvPicPr>
+            <a:picLocks noChangeAspect="1"/>
+          </p:cNvPicPr>
+          <p:nvPr/>
+        </p:nvPicPr>
+        <p:blipFill>
+          <a:blip r:embed="rId5">
+            <a:extLst/>
+          </a:blip>
+          <a:stretch>
+            <a:fillRect/>
+          </a:stretch>
+        </p:blipFill>
+        <p:spPr>
+          <a:xfrm>
+            <a:off x="6574981" y="5393176"/>
+            <a:ext cx="383636" cy="383636"/>
+          </a:xfrm>
+          <a:prstGeom prst="rect">
+            <a:avLst/>
+          </a:prstGeom>
+        </p:spPr>
+      </p:pic>
+      <p:sp>
+        <p:nvSpPr>
+          <p:cNvPr id="127" name="marker"/>
+          <p:cNvSpPr/>
+          <p:nvPr/>
+        </p:nvSpPr>
+        <p:spPr>
+          <a:xfrm>
+            <a:off x="2018437" y="1293390"/>
+            <a:ext cx="613385" cy="354359"/>
+          </a:xfrm>
+          <a:prstGeom prst="wedgeRectCallout">
+            <a:avLst>
+              <a:gd name="adj1" fmla="val 48987"/>
+              <a:gd name="adj2" fmla="val 66274"/>
+            </a:avLst>
+          </a:prstGeom>
+          <a:solidFill>
+            <a:schemeClr val="bg1">
+              <a:lumMod val="95000"/>
+              <a:alpha val="70000"/>
+            </a:schemeClr>
+          </a:solidFill>
+          <a:ln w="50800">
+            <a:solidFill>
+              <a:srgbClr val="FF2600"/>
+            </a:solidFill>
+          </a:ln>
+        </p:spPr>
+        <p:style>
+          <a:lnRef idx="2">
+            <a:schemeClr val="accent3"/>
+          </a:lnRef>
+          <a:fillRef idx="1">
+            <a:schemeClr val="lt1"/>
+          </a:fillRef>
+          <a:effectRef idx="0">
+            <a:schemeClr val="accent3"/>
+          </a:effectRef>
+          <a:fontRef idx="minor">
+            <a:schemeClr val="dk1"/>
+          </a:fontRef>
+        </p:style>
+        <p:txBody>
+          <a:bodyPr rtlCol="0" anchor="ctr"/>
+          <a:lstStyle/>
+          <a:p>
+            <a:pPr algn="ctr"/>
+            <a:r>
+              <a:rPr lang="en-US" sz="1400" b="1" dirty="0">
+                <a:solidFill>
+                  <a:sysClr val="windowText" lastClr="000000"/>
                 </a:solidFill>
                 <a:latin typeface="Courier New"/>
                 <a:cs typeface="Courier New"/>
               </a:rPr>
-              <a:t>10:23:03</a:t>
-            </a:r>
-            <a:endParaRPr lang="en-US" dirty="0">
-              <a:solidFill>
-                <a:srgbClr val="21FF06"/>
-              </a:solidFill>
-              <a:latin typeface="Courier New"/>
-              <a:cs typeface="Courier New"/>
-            </a:endParaRPr>
-          </a:p>
-        </p:txBody>
-      </p:sp>
-      <p:sp>
-        <p:nvSpPr>
-          <p:cNvPr id="3" name="narrative"/>
-          <p:cNvSpPr/>
-          <p:nvPr/>
-        </p:nvSpPr>
-        <p:spPr>
-          <a:xfrm>
-            <a:off x="6241397" y="2281867"/>
-            <a:ext cx="1988203" cy="1732922"/>
-          </a:xfrm>
-          <a:prstGeom prst="rect">
-            <a:avLst/>
-          </a:prstGeom>
-          <a:solidFill>
-            <a:schemeClr val="tx1">
-              <a:lumMod val="95000"/>
-              <a:lumOff val="5000"/>
-            </a:schemeClr>
-          </a:solidFill>
-        </p:spPr>
-        <p:style>
-          <a:lnRef idx="1">
-            <a:schemeClr val="accent1"/>
-          </a:lnRef>
-          <a:fillRef idx="3">
-            <a:schemeClr val="accent1"/>
-          </a:fillRef>
-          <a:effectRef idx="2">
-            <a:schemeClr val="accent1"/>
-          </a:effectRef>
-          <a:fontRef idx="minor">
-            <a:schemeClr val="lt1"/>
-          </a:fontRef>
-        </p:style>
-        <p:txBody>
-          <a:bodyPr rtlCol="0" anchor="ctr"/>
-          <a:lstStyle/>
-          <a:p>
-            <a:pPr algn="ctr"/>
-            <a:r>
-              <a:rPr lang="en-US" sz="1400" dirty="0" smtClean="0">
-                <a:solidFill>
-                  <a:schemeClr val="bg1"/>
-                </a:solidFill>
-              </a:rPr>
-              <a:t>Narrative goes here</a:t>
-            </a:r>
-            <a:r>
-              <a:rPr lang="mr-IN" sz="1400" dirty="0" smtClean="0">
-                <a:solidFill>
-                  <a:schemeClr val="bg1"/>
-                </a:solidFill>
-              </a:rPr>
-              <a:t/>
-            </a:r>
-            <a:endParaRPr lang="en-US" sz="1400" dirty="0">
-              <a:solidFill>
-                <a:schemeClr val="bg1"/>
-              </a:solidFill>
-            </a:endParaRPr>
+              <a:t>AAAA</a:t>
+            </a:r>
           </a:p>
         </p:txBody>
       </p:sp>
     </p:spTree>
     <p:extLst>
       <p:ext uri="{BB962C8B-B14F-4D97-AF65-F5344CB8AC3E}">
-        <p14:creationId xmlns:p14="http://schemas.microsoft.com/office/powerpoint/2010/main" val="1392507858"/>
+        <p14:creationId xmlns:p14="http://schemas.microsoft.com/office/powerpoint/2010/main" val="2319365130"/>
       </p:ext>
     </p:extLst>
   </p:cSld>
@@ -3524,17 +4352,18 @@
                                     <p:cond delay="0"/>
                                   </p:stCondLst>
                                   <p:childTnLst>
-                                    <p:animMotion origin="layout" path="M 0 0 L 0 0 C -0.00052 0.02361 -0.0007 0.04723 -0.00156 0.07084 C -0.00174 0.0757 -0.00261 0.08033 -0.00313 0.08519 C -0.00365 0.09074 -0.00417 0.0963 -0.00451 0.10186 C -0.00417 0.11389 -0.00417 0.1257 -0.00313 0.1375 C -0.00261 0.14167 -0.0007 0.14561 0 0.15 C 0.00174 0.1588 0.00156 0.15533 0.00156 0.16042 " pathEditMode="relative" ptsTypes="AAAAAAAA">
+                                    <p:animMotion origin="layout" path="M -1.25E-6 -3.7037E-6 L -1.25E-6 0.00024 C -0.00052 0.02361 -0.00065 0.04723 -0.00156 0.07084 C -0.00169 0.0757 -0.0026 0.08033 -0.00312 0.08519 C -0.00364 0.09074 -0.00417 0.0963 -0.00456 0.10186 C -0.00417 0.11389 -0.00417 0.1257 -0.00312 0.1375 C -0.0026 0.14167 -0.00065 0.14561 -1.25E-6 0.15 C 0.00169 0.1588 0.00156 0.15533 0.00156 0.16042 " pathEditMode="relative" rAng="0" ptsTypes="AAAAAAAA">
                                       <p:cBhvr>
                                         <p:cTn id="6" dur="2000" fill="hold"/>
                                         <p:tgtEl>
-                                          <p:spTgt spid="5"/>
+                                          <p:spTgt spid="127"/>
                                         </p:tgtEl>
                                         <p:attrNameLst>
                                           <p:attrName>ppt_x</p:attrName>
                                           <p:attrName>ppt_y</p:attrName>
                                         </p:attrNameLst>
                                       </p:cBhvr>
+                                      <p:rCtr x="-156" y="8009"/>
                                     </p:animMotion>
                                   </p:childTnLst>
                                 </p:cTn>
@@ -3562,7 +4391,7 @@
                                           </p:stCondLst>
                                         </p:cTn>
                                         <p:tgtEl>
-                                          <p:spTgt spid="6"/>
+                                          <p:spTgt spid="113"/>
                                         </p:tgtEl>
                                         <p:attrNameLst>
                                           <p:attrName>style.visibility</p:attrName>
@@ -3603,8 +4432,8 @@
       </p:par>
     </p:tnLst>
     <p:bldLst>
-      <p:bldP spid="5" grpId="0" animBg="1"/>
-      <p:bldP spid="6" grpId="0" animBg="1"/>
+      <p:bldP spid="113" grpId="0" animBg="1"/>
+      <p:bldP spid="127" grpId="0" animBg="1"/>
     </p:bldLst>
   </p:timing>
 </p:sld>
@@ -3928,4 +4757,265 @@
   </a:objectDefaults>
   <a:extraClrSchemeLst/>
 </a:theme>
+</file>
+
+<file path=ppt/theme/theme2.xml><?xml version="1.0" encoding="utf-8"?>
+<a:theme xmlns:a="http://schemas.openxmlformats.org/drawingml/2006/main" name="Office Theme">
+  <a:themeElements>
+    <a:clrScheme name="Office">
+      <a:dk1>
+        <a:sysClr val="windowText" lastClr="000000"/>
+      </a:dk1>
+      <a:lt1>
+        <a:sysClr val="window" lastClr="FFFFFF"/>
+      </a:lt1>
+      <a:dk2>
+        <a:srgbClr val="44546A"/>
+      </a:dk2>
+      <a:lt2>
+        <a:srgbClr val="E7E6E6"/>
+      </a:lt2>
+      <a:accent1>
+        <a:srgbClr val="5B9BD5"/>
+      </a:accent1>
+      <a:accent2>
+        <a:srgbClr val="ED7D31"/>
+      </a:accent2>
+      <a:accent3>
+        <a:srgbClr val="A5A5A5"/>
+      </a:accent3>
+      <a:accent4>
+        <a:srgbClr val="FFC000"/>
+      </a:accent4>
+      <a:accent5>
+        <a:srgbClr val="4472C4"/>
+      </a:accent5>
+      <a:accent6>
+        <a:srgbClr val="70AD47"/>
+      </a:accent6>
+      <a:hlink>
+        <a:srgbClr val="0563C1"/>
+      </a:hlink>
+      <a:folHlink>
+        <a:srgbClr val="954F72"/>
+      </a:folHlink>
+    </a:clrScheme>
+    <a:fontScheme name="Office">
+      <a:majorFont>
+        <a:latin typeface="Calibri Light"/>
+        <a:ea typeface=""/>
+        <a:cs typeface=""/>
+        <a:font script="Jpan" typeface="游ゴシック Light"/>
+        <a:font script="Hang" typeface="맑은 고딕"/>
+        <a:font script="Hans" typeface="等线 Light"/>
+        <a:font script="Hant" typeface="新細明體"/>
+        <a:font script="Arab" typeface="Times New Roman"/>
+        <a:font script="Hebr" typeface="Times New Roman"/>
+        <a:font script="Thai" typeface="Angsana New"/>
+        <a:font script="Ethi" typeface="Nyala"/>
+        <a:font script="Beng" typeface="Vrinda"/>
+        <a:font script="Gujr" typeface="Shruti"/>
+        <a:font script="Khmr" typeface="MoolBoran"/>
+        <a:font script="Knda" typeface="Tunga"/>
+        <a:font script="Guru" typeface="Raavi"/>
+        <a:font script="Cans" typeface="Euphemia"/>
+        <a:font script="Cher" typeface="Plantagenet Cherokee"/>
+        <a:font script="Yiii" typeface="Microsoft Yi Baiti"/>
+        <a:font script="Tibt" typeface="Microsoft Himalaya"/>
+        <a:font script="Thaa" typeface="MV Boli"/>
+        <a:font script="Deva" typeface="Mangal"/>
+        <a:font script="Telu" typeface="Gautami"/>
+        <a:font script="Taml" typeface="Latha"/>
+        <a:font script="Syrc" typeface="Estrangelo Edessa"/>
+        <a:font script="Orya" typeface="Kalinga"/>
+        <a:font script="Mlym" typeface="Kartika"/>
+        <a:font script="Laoo" typeface="DokChampa"/>
+        <a:font script="Sinh" typeface="Iskoola Pota"/>
+        <a:font script="Mong" typeface="Mongolian Baiti"/>
+        <a:font script="Viet" typeface="Times New Roman"/>
+        <a:font script="Uigh" typeface="Microsoft Uighur"/>
+        <a:font script="Geor" typeface="Sylfaen"/>
+      </a:majorFont>
+      <a:minorFont>
+        <a:latin typeface="Calibri"/>
+        <a:ea typeface=""/>
+        <a:cs typeface=""/>
+        <a:font script="Jpan" typeface="游ゴシック"/>
+        <a:font script="Hang" typeface="맑은 고딕"/>
+        <a:font script="Hans" typeface="等线"/>
+        <a:font script="Hant" typeface="新細明體"/>
+        <a:font script="Arab" typeface="Arial"/>
+        <a:font script="Hebr" typeface="Arial"/>
+        <a:font script="Thai" typeface="Cordia New"/>
+        <a:font script="Ethi" typeface="Nyala"/>
+        <a:font script="Beng" typeface="Vrinda"/>
+        <a:font script="Gujr" typeface="Shruti"/>
+        <a:font script="Khmr" typeface="DaunPenh"/>
+        <a:font script="Knda" typeface="Tunga"/>
+        <a:font script="Guru" typeface="Raavi"/>
+        <a:font script="Cans" typeface="Euphemia"/>
+        <a:font script="Cher" typeface="Plantagenet Cherokee"/>
+        <a:font script="Yiii" typeface="Microsoft Yi Baiti"/>
+        <a:font script="Tibt" typeface="Microsoft Himalaya"/>
+        <a:font script="Thaa" typeface="MV Boli"/>
+        <a:font script="Deva" typeface="Mangal"/>
+        <a:font script="Telu" typeface="Gautami"/>
+        <a:font script="Taml" typeface="Latha"/>
+        <a:font script="Syrc" typeface="Estrangelo Edessa"/>
+        <a:font script="Orya" typeface="Kalinga"/>
+        <a:font script="Mlym" typeface="Kartika"/>
+        <a:font script="Laoo" typeface="DokChampa"/>
+        <a:font script="Sinh" typeface="Iskoola Pota"/>
+        <a:font script="Mong" typeface="Mongolian Baiti"/>
+        <a:font script="Viet" typeface="Arial"/>
+        <a:font script="Uigh" typeface="Microsoft Uighur"/>
+        <a:font script="Geor" typeface="Sylfaen"/>
+      </a:minorFont>
+    </a:fontScheme>
+    <a:fmtScheme name="Office">
+      <a:fillStyleLst>
+        <a:solidFill>
+          <a:schemeClr val="phClr"/>
+        </a:solidFill>
+        <a:gradFill rotWithShape="1">
+          <a:gsLst>
+            <a:gs pos="0">
+              <a:schemeClr val="phClr">
+                <a:lumMod val="110000"/>
+                <a:satMod val="105000"/>
+                <a:tint val="67000"/>
+              </a:schemeClr>
+            </a:gs>
+            <a:gs pos="50000">
+              <a:schemeClr val="phClr">
+                <a:lumMod val="105000"/>
+                <a:satMod val="103000"/>
+                <a:tint val="73000"/>
+              </a:schemeClr>
+            </a:gs>
+            <a:gs pos="100000">
+              <a:schemeClr val="phClr">
+                <a:lumMod val="105000"/>
+                <a:satMod val="109000"/>
+                <a:tint val="81000"/>
+              </a:schemeClr>
+            </a:gs>
+          </a:gsLst>
+          <a:lin ang="5400000" scaled="0"/>
+        </a:gradFill>
+        <a:gradFill rotWithShape="1">
+          <a:gsLst>
+            <a:gs pos="0">
+              <a:schemeClr val="phClr">
+                <a:satMod val="103000"/>
+                <a:lumMod val="102000"/>
+                <a:tint val="94000"/>
+              </a:schemeClr>
+            </a:gs>
+            <a:gs pos="50000">
+              <a:schemeClr val="phClr">
+                <a:satMod val="110000"/>
+                <a:lumMod val="100000"/>
+                <a:shade val="100000"/>
+              </a:schemeClr>
+            </a:gs>
+            <a:gs pos="100000">
+              <a:schemeClr val="phClr">
+                <a:lumMod val="99000"/>
+                <a:satMod val="120000"/>
+                <a:shade val="78000"/>
+              </a:schemeClr>
+            </a:gs>
+          </a:gsLst>
+          <a:lin ang="5400000" scaled="0"/>
+        </a:gradFill>
+      </a:fillStyleLst>
+      <a:lnStyleLst>
+        <a:ln w="6350" cap="flat" cmpd="sng" algn="ctr">
+          <a:solidFill>
+            <a:schemeClr val="phClr"/>
+          </a:solidFill>
+          <a:prstDash val="solid"/>
+          <a:miter lim="800000"/>
+        </a:ln>
+        <a:ln w="12700" cap="flat" cmpd="sng" algn="ctr">
+          <a:solidFill>
+            <a:schemeClr val="phClr"/>
+          </a:solidFill>
+          <a:prstDash val="solid"/>
+          <a:miter lim="800000"/>
+        </a:ln>
+        <a:ln w="19050" cap="flat" cmpd="sng" algn="ctr">
+          <a:solidFill>
+            <a:schemeClr val="phClr"/>
+          </a:solidFill>
+          <a:prstDash val="solid"/>
+          <a:miter lim="800000"/>
+        </a:ln>
+      </a:lnStyleLst>
+      <a:effectStyleLst>
+        <a:effectStyle>
+          <a:effectLst/>
+        </a:effectStyle>
+        <a:effectStyle>
+          <a:effectLst/>
+        </a:effectStyle>
+        <a:effectStyle>
+          <a:effectLst>
+            <a:outerShdw blurRad="57150" dist="19050" dir="5400000" algn="ctr" rotWithShape="0">
+              <a:srgbClr val="000000">
+                <a:alpha val="63000"/>
+              </a:srgbClr>
+            </a:outerShdw>
+          </a:effectLst>
+        </a:effectStyle>
+      </a:effectStyleLst>
+      <a:bgFillStyleLst>
+        <a:solidFill>
+          <a:schemeClr val="phClr"/>
+        </a:solidFill>
+        <a:solidFill>
+          <a:schemeClr val="phClr">
+            <a:tint val="95000"/>
+            <a:satMod val="170000"/>
+          </a:schemeClr>
+        </a:solidFill>
+        <a:gradFill rotWithShape="1">
+          <a:gsLst>
+            <a:gs pos="0">
+              <a:schemeClr val="phClr">
+                <a:tint val="93000"/>
+                <a:satMod val="150000"/>
+                <a:shade val="98000"/>
+                <a:lumMod val="102000"/>
+              </a:schemeClr>
+            </a:gs>
+            <a:gs pos="50000">
+              <a:schemeClr val="phClr">
+                <a:tint val="98000"/>
+                <a:satMod val="130000"/>
+                <a:shade val="90000"/>
+                <a:lumMod val="103000"/>
+              </a:schemeClr>
+            </a:gs>
+            <a:gs pos="100000">
+              <a:schemeClr val="phClr">
+                <a:shade val="63000"/>
+                <a:satMod val="120000"/>
+              </a:schemeClr>
+            </a:gs>
+          </a:gsLst>
+          <a:lin ang="5400000" scaled="0"/>
+        </a:gradFill>
+      </a:bgFillStyleLst>
+    </a:fmtScheme>
+  </a:themeElements>
+  <a:objectDefaults/>
+  <a:extraClrSchemeLst/>
+  <a:extLst>
+    <a:ext uri="{05A4C25C-085E-4340-85A3-A5531E510DB2}">
+      <thm15:themeFamily xmlns:thm15="http://schemas.microsoft.com/office/thememl/2012/main" name="Office Theme" id="{62F939B6-93AF-4DB8-9C6B-D6C7DFDC589F}" vid="{4A3C46E8-61CC-4603-A589-7422A47A8E4A}"/>
+    </a:ext>
+  </a:extLst>
+</a:theme>
 </file>